--- a/KMITI.pptx
+++ b/KMITI.pptx
@@ -10,9 +10,9 @@
   <p:sldIdLst>
     <p:sldId id="256" r:id="rId2"/>
     <p:sldId id="268" r:id="rId3"/>
-    <p:sldId id="267" r:id="rId4"/>
-    <p:sldId id="265" r:id="rId5"/>
-    <p:sldId id="266" r:id="rId6"/>
+    <p:sldId id="265" r:id="rId4"/>
+    <p:sldId id="266" r:id="rId5"/>
+    <p:sldId id="267" r:id="rId6"/>
     <p:sldId id="261" r:id="rId7"/>
     <p:sldId id="262" r:id="rId8"/>
     <p:sldId id="257" r:id="rId9"/>
@@ -117,6 +117,11 @@
       </a:defRPr>
     </a:lvl9pPr>
   </p:defaultTextStyle>
+  <p:extLst>
+    <p:ext uri="{EFAFB233-063F-42B5-8137-9DF3F51BA10A}">
+      <p15:sldGuideLst xmlns:p15="http://schemas.microsoft.com/office/powerpoint/2012/main"/>
+    </p:ext>
+  </p:extLst>
 </p:presentation>
 </file>
 
@@ -3685,8 +3690,8 @@
         <a:lstStyle/>
         <a:p>
           <a:r>
-            <a:rPr lang="en-US"/>
-            <a:t>Low GloSea6 Identification</a:t>
+            <a:rPr lang="en-US" dirty="0"/>
+            <a:t>Low GloSea6</a:t>
           </a:r>
         </a:p>
       </dgm:t>
@@ -4184,7 +4189,7 @@
 <dgm:dataModel xmlns:dgm="http://schemas.openxmlformats.org/drawingml/2006/diagram" xmlns:a="http://schemas.openxmlformats.org/drawingml/2006/main">
   <dgm:ptLst>
     <dgm:pt modelId="{639B4274-5238-4A21-91E5-76B1CFB8DE3B}" type="doc">
-      <dgm:prSet loTypeId="urn:microsoft.com/office/officeart/2008/layout/LinedList" loCatId="list" qsTypeId="urn:microsoft.com/office/officeart/2005/8/quickstyle/simple1" qsCatId="simple" csTypeId="urn:microsoft.com/office/officeart/2005/8/colors/colorful1" csCatId="colorful"/>
+      <dgm:prSet loTypeId="urn:microsoft.com/office/officeart/2008/layout/LinedList" loCatId="list" qsTypeId="urn:microsoft.com/office/officeart/2005/8/quickstyle/simple1" qsCatId="simple" csTypeId="urn:microsoft.com/office/officeart/2005/8/colors/colorful1" csCatId="colorful" phldr="1"/>
       <dgm:spPr/>
       <dgm:t>
         <a:bodyPr/>
@@ -4202,8 +4207,16 @@
         <a:lstStyle/>
         <a:p>
           <a:r>
-            <a:rPr lang="en-US"/>
-            <a:t>CICE and NEMO also generate output files in netCDF-classic and netCDF-4 formats.</a:t>
+            <a:rPr lang="en-US" dirty="0"/>
+            <a:t>CICE and NEMO generate output files in </a:t>
+          </a:r>
+          <a:r>
+            <a:rPr lang="en-US" dirty="0" err="1"/>
+            <a:t>netCDF</a:t>
+          </a:r>
+          <a:r>
+            <a:rPr lang="en-US" dirty="0"/>
+            <a:t>-classic and netCDF-4 formats.</a:t>
           </a:r>
         </a:p>
       </dgm:t>
@@ -4274,8 +4287,16 @@
         <a:lstStyle/>
         <a:p>
           <a:r>
-            <a:rPr lang="en-US"/>
-            <a:t>netCDF-4 supports HDF5 libraries, while netCDF-classic does not supports HDF5 libraries.</a:t>
+            <a:rPr lang="en-US" dirty="0"/>
+            <a:t>netCDF-4 supports HDF5 library, while </a:t>
+          </a:r>
+          <a:r>
+            <a:rPr lang="en-US" dirty="0" err="1"/>
+            <a:t>netCDF</a:t>
+          </a:r>
+          <a:r>
+            <a:rPr lang="en-US" dirty="0"/>
+            <a:t>-classic does not support HDF5 library.</a:t>
           </a:r>
         </a:p>
       </dgm:t>
@@ -4887,7 +4908,7 @@
 <dgm:dataModel xmlns:dgm="http://schemas.openxmlformats.org/drawingml/2006/diagram" xmlns:a="http://schemas.openxmlformats.org/drawingml/2006/main">
   <dgm:ptLst>
     <dgm:pt modelId="{7D59B8E8-4603-4F6E-ABFF-F51B749CCD0C}" type="doc">
-      <dgm:prSet loTypeId="urn:microsoft.com/office/officeart/2005/8/layout/list1" loCatId="list" qsTypeId="urn:microsoft.com/office/officeart/2005/8/quickstyle/simple1" qsCatId="simple" csTypeId="urn:microsoft.com/office/officeart/2005/8/colors/colorful1" csCatId="colorful"/>
+      <dgm:prSet loTypeId="urn:microsoft.com/office/officeart/2005/8/layout/list1" loCatId="list" qsTypeId="urn:microsoft.com/office/officeart/2005/8/quickstyle/simple1" qsCatId="simple" csTypeId="urn:microsoft.com/office/officeart/2005/8/colors/colorful1" csCatId="colorful" phldr="1"/>
       <dgm:spPr/>
       <dgm:t>
         <a:bodyPr/>
@@ -4941,8 +4962,24 @@
         <a:lstStyle/>
         <a:p>
           <a:r>
-            <a:rPr lang="en-US"/>
-            <a:t>Add SZ library into XIOS project</a:t>
+            <a:rPr lang="en-US" dirty="0"/>
+            <a:t>Modify </a:t>
+          </a:r>
+          <a:r>
+            <a:rPr lang="en-US" dirty="0" err="1"/>
+            <a:t>make_xios</a:t>
+          </a:r>
+          <a:r>
+            <a:rPr lang="en-US" dirty="0"/>
+            <a:t> script to add SZ and </a:t>
+          </a:r>
+          <a:r>
+            <a:rPr lang="en-US" dirty="0" err="1"/>
+            <a:t>Zstandard</a:t>
+          </a:r>
+          <a:r>
+            <a:rPr lang="en-US" dirty="0"/>
+            <a:t> library into XIOS project</a:t>
           </a:r>
         </a:p>
       </dgm:t>
@@ -4977,8 +5014,32 @@
         <a:lstStyle/>
         <a:p>
           <a:r>
-            <a:rPr lang="en-US"/>
-            <a:t>Modify files related with writing netcdf output (nc4_data_output.hpp, nc4_data_output.cpp)</a:t>
+            <a:rPr lang="en-US" dirty="0"/>
+            <a:t>Modify files related with writing </a:t>
+          </a:r>
+          <a:r>
+            <a:rPr lang="en-US" dirty="0" err="1"/>
+            <a:t>netcdf</a:t>
+          </a:r>
+          <a:r>
+            <a:rPr lang="en-US" dirty="0"/>
+            <a:t> output (</a:t>
+          </a:r>
+          <a:r>
+            <a:rPr lang="en-US" dirty="0" err="1"/>
+            <a:t>e.g</a:t>
+          </a:r>
+          <a:r>
+            <a:rPr lang="en-US" dirty="0"/>
+            <a:t> nc4_data_output.hpp, nc4_data_output.cpp </a:t>
+          </a:r>
+          <a:r>
+            <a:rPr lang="en-US" dirty="0" err="1"/>
+            <a:t>etc</a:t>
+          </a:r>
+          <a:r>
+            <a:rPr lang="en-US" dirty="0"/>
+            <a:t>)</a:t>
           </a:r>
         </a:p>
       </dgm:t>
@@ -5013,8 +5074,16 @@
         <a:lstStyle/>
         <a:p>
           <a:r>
-            <a:rPr lang="en-US"/>
-            <a:t>Modify fortran interface if needed</a:t>
+            <a:rPr lang="en-US" dirty="0"/>
+            <a:t>Modify </a:t>
+          </a:r>
+          <a:r>
+            <a:rPr lang="en-US" dirty="0" err="1"/>
+            <a:t>fortran</a:t>
+          </a:r>
+          <a:r>
+            <a:rPr lang="en-US" dirty="0"/>
+            <a:t> interface if needed</a:t>
           </a:r>
         </a:p>
       </dgm:t>
@@ -5085,8 +5154,8 @@
         <a:lstStyle/>
         <a:p>
           <a:r>
-            <a:rPr lang="en-US"/>
-            <a:t>Modify files related with iodef.xml configuration to enable SZ compression</a:t>
+            <a:rPr lang="en-US" dirty="0"/>
+            <a:t>Modify files related with xml configuration to enable SZ compression</a:t>
           </a:r>
         </a:p>
       </dgm:t>
@@ -5374,8 +5443,8 @@
             <a:buNone/>
           </a:pPr>
           <a:r>
-            <a:rPr lang="en-US" sz="1900" kern="1200"/>
-            <a:t>Low GloSea6 Identification</a:t>
+            <a:rPr lang="en-US" sz="1900" kern="1200" dirty="0"/>
+            <a:t>Low GloSea6</a:t>
           </a:r>
         </a:p>
       </dsp:txBody>
@@ -6086,12 +6155,12 @@
         <a:fontRef idx="minor"/>
       </dsp:style>
       <dsp:txBody>
-        <a:bodyPr spcFirstLastPara="0" vert="horz" wrap="square" lIns="102870" tIns="102870" rIns="102870" bIns="102870" numCol="1" spcCol="1270" anchor="t" anchorCtr="0">
+        <a:bodyPr spcFirstLastPara="0" vert="horz" wrap="square" lIns="106680" tIns="106680" rIns="106680" bIns="106680" numCol="1" spcCol="1270" anchor="t" anchorCtr="0">
           <a:noAutofit/>
         </a:bodyPr>
         <a:lstStyle/>
         <a:p>
-          <a:pPr marL="0" lvl="0" indent="0" algn="l" defTabSz="1200150">
+          <a:pPr marL="0" lvl="0" indent="0" algn="l" defTabSz="1244600">
             <a:lnSpc>
               <a:spcPct val="90000"/>
             </a:lnSpc>
@@ -6104,8 +6173,16 @@
             <a:buNone/>
           </a:pPr>
           <a:r>
-            <a:rPr lang="en-US" sz="2700" kern="1200"/>
-            <a:t>CICE and NEMO also generate output files in netCDF-classic and netCDF-4 formats.</a:t>
+            <a:rPr lang="en-US" sz="2800" kern="1200" dirty="0"/>
+            <a:t>CICE and NEMO generate output files in </a:t>
+          </a:r>
+          <a:r>
+            <a:rPr lang="en-US" sz="2800" kern="1200" dirty="0" err="1"/>
+            <a:t>netCDF</a:t>
+          </a:r>
+          <a:r>
+            <a:rPr lang="en-US" sz="2800" kern="1200" dirty="0"/>
+            <a:t>-classic and netCDF-4 formats.</a:t>
           </a:r>
         </a:p>
       </dsp:txBody>
@@ -6196,12 +6273,12 @@
         <a:fontRef idx="minor"/>
       </dsp:style>
       <dsp:txBody>
-        <a:bodyPr spcFirstLastPara="0" vert="horz" wrap="square" lIns="102870" tIns="102870" rIns="102870" bIns="102870" numCol="1" spcCol="1270" anchor="t" anchorCtr="0">
+        <a:bodyPr spcFirstLastPara="0" vert="horz" wrap="square" lIns="106680" tIns="106680" rIns="106680" bIns="106680" numCol="1" spcCol="1270" anchor="t" anchorCtr="0">
           <a:noAutofit/>
         </a:bodyPr>
         <a:lstStyle/>
         <a:p>
-          <a:pPr marL="0" lvl="0" indent="0" algn="l" defTabSz="1200150">
+          <a:pPr marL="0" lvl="0" indent="0" algn="l" defTabSz="1244600">
             <a:lnSpc>
               <a:spcPct val="90000"/>
             </a:lnSpc>
@@ -6214,7 +6291,7 @@
             <a:buNone/>
           </a:pPr>
           <a:r>
-            <a:rPr lang="en-US" sz="2700" kern="1200"/>
+            <a:rPr lang="en-US" sz="2800" kern="1200"/>
             <a:t>The difference between these two formats is the structure of the library.</a:t>
           </a:r>
         </a:p>
@@ -6306,12 +6383,12 @@
         <a:fontRef idx="minor"/>
       </dsp:style>
       <dsp:txBody>
-        <a:bodyPr spcFirstLastPara="0" vert="horz" wrap="square" lIns="102870" tIns="102870" rIns="102870" bIns="102870" numCol="1" spcCol="1270" anchor="t" anchorCtr="0">
+        <a:bodyPr spcFirstLastPara="0" vert="horz" wrap="square" lIns="106680" tIns="106680" rIns="106680" bIns="106680" numCol="1" spcCol="1270" anchor="t" anchorCtr="0">
           <a:noAutofit/>
         </a:bodyPr>
         <a:lstStyle/>
         <a:p>
-          <a:pPr marL="0" lvl="0" indent="0" algn="l" defTabSz="1200150">
+          <a:pPr marL="0" lvl="0" indent="0" algn="l" defTabSz="1244600">
             <a:lnSpc>
               <a:spcPct val="90000"/>
             </a:lnSpc>
@@ -6324,8 +6401,16 @@
             <a:buNone/>
           </a:pPr>
           <a:r>
-            <a:rPr lang="en-US" sz="2700" kern="1200"/>
-            <a:t>netCDF-4 supports HDF5 libraries, while netCDF-classic does not supports HDF5 libraries.</a:t>
+            <a:rPr lang="en-US" sz="2800" kern="1200" dirty="0"/>
+            <a:t>netCDF-4 supports HDF5 library, while </a:t>
+          </a:r>
+          <a:r>
+            <a:rPr lang="en-US" sz="2800" kern="1200" dirty="0" err="1"/>
+            <a:t>netCDF</a:t>
+          </a:r>
+          <a:r>
+            <a:rPr lang="en-US" sz="2800" kern="1200" dirty="0"/>
+            <a:t>-classic does not support HDF5 library.</a:t>
           </a:r>
         </a:p>
       </dsp:txBody>
@@ -6416,12 +6501,12 @@
         <a:fontRef idx="minor"/>
       </dsp:style>
       <dsp:txBody>
-        <a:bodyPr spcFirstLastPara="0" vert="horz" wrap="square" lIns="102870" tIns="102870" rIns="102870" bIns="102870" numCol="1" spcCol="1270" anchor="t" anchorCtr="0">
+        <a:bodyPr spcFirstLastPara="0" vert="horz" wrap="square" lIns="106680" tIns="106680" rIns="106680" bIns="106680" numCol="1" spcCol="1270" anchor="t" anchorCtr="0">
           <a:noAutofit/>
         </a:bodyPr>
         <a:lstStyle/>
         <a:p>
-          <a:pPr marL="0" lvl="0" indent="0" algn="l" defTabSz="1200150">
+          <a:pPr marL="0" lvl="0" indent="0" algn="l" defTabSz="1244600">
             <a:lnSpc>
               <a:spcPct val="90000"/>
             </a:lnSpc>
@@ -6434,7 +6519,7 @@
             <a:buNone/>
           </a:pPr>
           <a:r>
-            <a:rPr lang="en-US" sz="2700" kern="1200"/>
+            <a:rPr lang="en-US" sz="2800" kern="1200"/>
             <a:t>HDF5 library supports is important because NetCDF filters are based on HDF5 mechanism</a:t>
           </a:r>
         </a:p>
@@ -7075,8 +7160,8 @@
       </dsp:nvSpPr>
       <dsp:spPr>
         <a:xfrm>
-          <a:off x="0" y="374600"/>
-          <a:ext cx="9356107" cy="2154600"/>
+          <a:off x="0" y="370549"/>
+          <a:ext cx="9356107" cy="2286900"/>
         </a:xfrm>
         <a:prstGeom prst="rect">
           <a:avLst/>
@@ -7117,12 +7202,12 @@
         <a:fontRef idx="minor"/>
       </dsp:style>
       <dsp:txBody>
-        <a:bodyPr spcFirstLastPara="0" vert="horz" wrap="square" lIns="726138" tIns="499872" rIns="726138" bIns="170688" numCol="1" spcCol="1270" anchor="t" anchorCtr="0">
+        <a:bodyPr spcFirstLastPara="0" vert="horz" wrap="square" lIns="726138" tIns="458216" rIns="726138" bIns="156464" numCol="1" spcCol="1270" anchor="t" anchorCtr="0">
           <a:noAutofit/>
         </a:bodyPr>
         <a:lstStyle/>
         <a:p>
-          <a:pPr marL="228600" lvl="1" indent="-228600" algn="l" defTabSz="1066800">
+          <a:pPr marL="228600" lvl="1" indent="-228600" algn="l" defTabSz="977900">
             <a:lnSpc>
               <a:spcPct val="90000"/>
             </a:lnSpc>
@@ -7135,12 +7220,28 @@
             <a:buChar char="•"/>
           </a:pPr>
           <a:r>
-            <a:rPr lang="en-US" sz="2400" kern="1200"/>
-            <a:t>Add SZ library into XIOS project</a:t>
+            <a:rPr lang="en-US" sz="2200" kern="1200" dirty="0"/>
+            <a:t>Modify </a:t>
+          </a:r>
+          <a:r>
+            <a:rPr lang="en-US" sz="2200" kern="1200" dirty="0" err="1"/>
+            <a:t>make_xios</a:t>
+          </a:r>
+          <a:r>
+            <a:rPr lang="en-US" sz="2200" kern="1200" dirty="0"/>
+            <a:t> script to add SZ and </a:t>
+          </a:r>
+          <a:r>
+            <a:rPr lang="en-US" sz="2200" kern="1200" dirty="0" err="1"/>
+            <a:t>Zstandard</a:t>
+          </a:r>
+          <a:r>
+            <a:rPr lang="en-US" sz="2200" kern="1200" dirty="0"/>
+            <a:t> library into XIOS project</a:t>
           </a:r>
         </a:p>
         <a:p>
-          <a:pPr marL="228600" lvl="1" indent="-228600" algn="l" defTabSz="1066800">
+          <a:pPr marL="228600" lvl="1" indent="-228600" algn="l" defTabSz="977900">
             <a:lnSpc>
               <a:spcPct val="90000"/>
             </a:lnSpc>
@@ -7153,12 +7254,36 @@
             <a:buChar char="•"/>
           </a:pPr>
           <a:r>
-            <a:rPr lang="en-US" sz="2400" kern="1200"/>
-            <a:t>Modify files related with writing netcdf output (nc4_data_output.hpp, nc4_data_output.cpp)</a:t>
+            <a:rPr lang="en-US" sz="2200" kern="1200" dirty="0"/>
+            <a:t>Modify files related with writing </a:t>
+          </a:r>
+          <a:r>
+            <a:rPr lang="en-US" sz="2200" kern="1200" dirty="0" err="1"/>
+            <a:t>netcdf</a:t>
+          </a:r>
+          <a:r>
+            <a:rPr lang="en-US" sz="2200" kern="1200" dirty="0"/>
+            <a:t> output (</a:t>
+          </a:r>
+          <a:r>
+            <a:rPr lang="en-US" sz="2200" kern="1200" dirty="0" err="1"/>
+            <a:t>e.g</a:t>
+          </a:r>
+          <a:r>
+            <a:rPr lang="en-US" sz="2200" kern="1200" dirty="0"/>
+            <a:t> nc4_data_output.hpp, nc4_data_output.cpp </a:t>
+          </a:r>
+          <a:r>
+            <a:rPr lang="en-US" sz="2200" kern="1200" dirty="0" err="1"/>
+            <a:t>etc</a:t>
+          </a:r>
+          <a:r>
+            <a:rPr lang="en-US" sz="2200" kern="1200" dirty="0"/>
+            <a:t>)</a:t>
           </a:r>
         </a:p>
         <a:p>
-          <a:pPr marL="228600" lvl="1" indent="-228600" algn="l" defTabSz="1066800">
+          <a:pPr marL="228600" lvl="1" indent="-228600" algn="l" defTabSz="977900">
             <a:lnSpc>
               <a:spcPct val="90000"/>
             </a:lnSpc>
@@ -7171,14 +7296,22 @@
             <a:buChar char="•"/>
           </a:pPr>
           <a:r>
-            <a:rPr lang="en-US" sz="2400" kern="1200"/>
-            <a:t>Modify fortran interface if needed</a:t>
+            <a:rPr lang="en-US" sz="2200" kern="1200" dirty="0"/>
+            <a:t>Modify </a:t>
+          </a:r>
+          <a:r>
+            <a:rPr lang="en-US" sz="2200" kern="1200" dirty="0" err="1"/>
+            <a:t>fortran</a:t>
+          </a:r>
+          <a:r>
+            <a:rPr lang="en-US" sz="2200" kern="1200" dirty="0"/>
+            <a:t> interface if needed</a:t>
           </a:r>
         </a:p>
       </dsp:txBody>
       <dsp:txXfrm>
-        <a:off x="0" y="374600"/>
-        <a:ext cx="9356107" cy="2154600"/>
+        <a:off x="0" y="370549"/>
+        <a:ext cx="9356107" cy="2286900"/>
       </dsp:txXfrm>
     </dsp:sp>
     <dsp:sp modelId="{155ADBCD-247E-3F4E-801B-35DAACDDA69D}">
@@ -7188,8 +7321,8 @@
       </dsp:nvSpPr>
       <dsp:spPr>
         <a:xfrm>
-          <a:off x="467805" y="20359"/>
-          <a:ext cx="6549274" cy="708480"/>
+          <a:off x="467805" y="45829"/>
+          <a:ext cx="6549274" cy="649440"/>
         </a:xfrm>
         <a:prstGeom prst="roundRect">
           <a:avLst/>
@@ -7236,7 +7369,7 @@
         </a:bodyPr>
         <a:lstStyle/>
         <a:p>
-          <a:pPr marL="0" lvl="0" indent="0" algn="l" defTabSz="1066800">
+          <a:pPr marL="0" lvl="0" indent="0" algn="l" defTabSz="977900">
             <a:lnSpc>
               <a:spcPct val="90000"/>
             </a:lnSpc>
@@ -7249,14 +7382,14 @@
             <a:buNone/>
           </a:pPr>
           <a:r>
-            <a:rPr lang="en-US" sz="2400" kern="1200"/>
+            <a:rPr lang="en-US" sz="2200" kern="1200"/>
             <a:t>XIOS Library modification</a:t>
           </a:r>
         </a:p>
       </dsp:txBody>
       <dsp:txXfrm>
-        <a:off x="502390" y="54944"/>
-        <a:ext cx="6480104" cy="639310"/>
+        <a:off x="499508" y="77532"/>
+        <a:ext cx="6485868" cy="586034"/>
       </dsp:txXfrm>
     </dsp:sp>
     <dsp:sp modelId="{CB0BF6C4-C461-BB49-9F54-227DE09AAE08}">
@@ -7266,8 +7399,8 @@
       </dsp:nvSpPr>
       <dsp:spPr>
         <a:xfrm>
-          <a:off x="0" y="3013040"/>
-          <a:ext cx="9356107" cy="1360800"/>
+          <a:off x="0" y="3100970"/>
+          <a:ext cx="9356107" cy="1247400"/>
         </a:xfrm>
         <a:prstGeom prst="rect">
           <a:avLst/>
@@ -7308,12 +7441,12 @@
         <a:fontRef idx="minor"/>
       </dsp:style>
       <dsp:txBody>
-        <a:bodyPr spcFirstLastPara="0" vert="horz" wrap="square" lIns="726138" tIns="499872" rIns="726138" bIns="170688" numCol="1" spcCol="1270" anchor="t" anchorCtr="0">
+        <a:bodyPr spcFirstLastPara="0" vert="horz" wrap="square" lIns="726138" tIns="458216" rIns="726138" bIns="156464" numCol="1" spcCol="1270" anchor="t" anchorCtr="0">
           <a:noAutofit/>
         </a:bodyPr>
         <a:lstStyle/>
         <a:p>
-          <a:pPr marL="228600" lvl="1" indent="-228600" algn="l" defTabSz="1066800">
+          <a:pPr marL="228600" lvl="1" indent="-228600" algn="l" defTabSz="977900">
             <a:lnSpc>
               <a:spcPct val="90000"/>
             </a:lnSpc>
@@ -7326,14 +7459,14 @@
             <a:buChar char="•"/>
           </a:pPr>
           <a:r>
-            <a:rPr lang="en-US" sz="2400" kern="1200"/>
-            <a:t>Modify files related with iodef.xml configuration to enable SZ compression</a:t>
+            <a:rPr lang="en-US" sz="2200" kern="1200" dirty="0"/>
+            <a:t>Modify files related with xml configuration to enable SZ compression</a:t>
           </a:r>
         </a:p>
       </dsp:txBody>
       <dsp:txXfrm>
-        <a:off x="0" y="3013040"/>
-        <a:ext cx="9356107" cy="1360800"/>
+        <a:off x="0" y="3100970"/>
+        <a:ext cx="9356107" cy="1247400"/>
       </dsp:txXfrm>
     </dsp:sp>
     <dsp:sp modelId="{2A260745-3EAF-C14E-8104-095963368AA7}">
@@ -7343,8 +7476,8 @@
       </dsp:nvSpPr>
       <dsp:spPr>
         <a:xfrm>
-          <a:off x="467805" y="2658800"/>
-          <a:ext cx="6549274" cy="708480"/>
+          <a:off x="467805" y="2776249"/>
+          <a:ext cx="6549274" cy="649440"/>
         </a:xfrm>
         <a:prstGeom prst="roundRect">
           <a:avLst/>
@@ -7391,7 +7524,7 @@
         </a:bodyPr>
         <a:lstStyle/>
         <a:p>
-          <a:pPr marL="0" lvl="0" indent="0" algn="l" defTabSz="1066800">
+          <a:pPr marL="0" lvl="0" indent="0" algn="l" defTabSz="977900">
             <a:lnSpc>
               <a:spcPct val="90000"/>
             </a:lnSpc>
@@ -7404,14 +7537,14 @@
             <a:buNone/>
           </a:pPr>
           <a:r>
-            <a:rPr lang="en-US" sz="2400" kern="1200"/>
+            <a:rPr lang="en-US" sz="2200" kern="1200"/>
             <a:t>NEMO</a:t>
           </a:r>
         </a:p>
       </dsp:txBody>
       <dsp:txXfrm>
-        <a:off x="502390" y="2693385"/>
-        <a:ext cx="6480104" cy="639310"/>
+        <a:off x="499508" y="2807952"/>
+        <a:ext cx="6485868" cy="586034"/>
       </dsp:txXfrm>
     </dsp:sp>
   </dsp:spTree>
@@ -16765,18 +16898,18 @@
         </p:spPr>
         <p:txBody>
           <a:bodyPr>
-            <a:normAutofit/>
+            <a:normAutofit fontScale="90000"/>
           </a:bodyPr>
           <a:lstStyle/>
           <a:p>
             <a:pPr algn="l"/>
             <a:r>
-              <a:rPr lang="en-US" sz="5600">
+              <a:rPr lang="en-US" sz="5600" dirty="0">
                 <a:solidFill>
                   <a:srgbClr val="FFFFFF"/>
                 </a:solidFill>
               </a:rPr>
-              <a:t>Details of Modification SZ Compression</a:t>
+              <a:t>Current and Plan Modification of applying SZ Compression</a:t>
             </a:r>
           </a:p>
         </p:txBody>
@@ -16810,14 +16943,11 @@
           <a:lstStyle/>
           <a:p>
             <a:pPr algn="l"/>
-            <a:r>
-              <a:rPr lang="en-US" sz="2000">
-                <a:solidFill>
-                  <a:srgbClr val="FFFFFF"/>
-                </a:solidFill>
-              </a:rPr>
-              <a:t>Dian Hanifudin Subhii</a:t>
-            </a:r>
+            <a:endParaRPr lang="en-US" sz="2000" dirty="0">
+              <a:solidFill>
+                <a:srgbClr val="FFFFFF"/>
+              </a:solidFill>
+            </a:endParaRPr>
           </a:p>
         </p:txBody>
       </p:sp>
@@ -18092,7 +18222,7 @@
             <p:ph idx="1"/>
             <p:extLst>
               <p:ext uri="{D42A27DB-BD31-4B8C-83A1-F6EECF244321}">
-                <p14:modId xmlns:p14="http://schemas.microsoft.com/office/powerpoint/2010/main" val="2409534028"/>
+                <p14:modId xmlns:p14="http://schemas.microsoft.com/office/powerpoint/2010/main" val="1080831034"/>
               </p:ext>
             </p:extLst>
           </p:nvPr>
@@ -19056,7 +19186,7 @@
             <p:ph idx="1"/>
             <p:extLst>
               <p:ext uri="{D42A27DB-BD31-4B8C-83A1-F6EECF244321}">
-                <p14:modId xmlns:p14="http://schemas.microsoft.com/office/powerpoint/2010/main" val="1425233003"/>
+                <p14:modId xmlns:p14="http://schemas.microsoft.com/office/powerpoint/2010/main" val="1402429642"/>
               </p:ext>
             </p:extLst>
           </p:nvPr>
@@ -19085,559 +19215,6 @@
 </file>
 
 <file path=ppt/slides/slide3.xml><?xml version="1.0" encoding="utf-8"?>
-<p:sld xmlns:a="http://schemas.openxmlformats.org/drawingml/2006/main" xmlns:r="http://schemas.openxmlformats.org/officeDocument/2006/relationships" xmlns:p="http://schemas.openxmlformats.org/presentationml/2006/main">
-  <p:cSld>
-    <p:bg>
-      <p:bgPr>
-        <a:solidFill>
-          <a:schemeClr val="bg1"/>
-        </a:solidFill>
-        <a:effectLst/>
-      </p:bgPr>
-    </p:bg>
-    <p:spTree>
-      <p:nvGrpSpPr>
-        <p:cNvPr id="1" name=""/>
-        <p:cNvGrpSpPr/>
-        <p:nvPr/>
-      </p:nvGrpSpPr>
-      <p:grpSpPr>
-        <a:xfrm>
-          <a:off x="0" y="0"/>
-          <a:ext cx="0" cy="0"/>
-          <a:chOff x="0" y="0"/>
-          <a:chExt cx="0" cy="0"/>
-        </a:xfrm>
-      </p:grpSpPr>
-      <p:sp useBgFill="1">
-        <p:nvSpPr>
-          <p:cNvPr id="8" name="Rectangle 7">
-            <a:extLst>
-              <a:ext uri="{FF2B5EF4-FFF2-40B4-BE49-F238E27FC236}">
-                <a16:creationId xmlns:a16="http://schemas.microsoft.com/office/drawing/2014/main" id="{777A147A-9ED8-46B4-8660-1B3C2AA880B5}"/>
-              </a:ext>
-              <a:ext uri="{C183D7F6-B498-43B3-948B-1728B52AA6E4}">
-                <adec:decorative xmlns:adec="http://schemas.microsoft.com/office/drawing/2017/decorative" val="1"/>
-              </a:ext>
-            </a:extLst>
-          </p:cNvPr>
-          <p:cNvSpPr>
-            <a:spLocks noGrp="1" noRot="1" noChangeAspect="1" noMove="1" noResize="1" noEditPoints="1" noAdjustHandles="1" noChangeArrowheads="1" noChangeShapeType="1" noTextEdit="1"/>
-          </p:cNvSpPr>
-          <p:nvPr>
-            <p:extLst>
-              <p:ext uri="{386F3935-93C4-4BCD-93E2-E3B085C9AB24}">
-                <p16:designElem xmlns:p16="http://schemas.microsoft.com/office/powerpoint/2015/main" val="1"/>
-              </p:ext>
-            </p:extLst>
-          </p:nvPr>
-        </p:nvSpPr>
-        <p:spPr>
-          <a:xfrm>
-            <a:off x="0" y="0"/>
-            <a:ext cx="12188952" cy="6858000"/>
-          </a:xfrm>
-          <a:prstGeom prst="rect">
-            <a:avLst/>
-          </a:prstGeom>
-          <a:ln>
-            <a:noFill/>
-          </a:ln>
-        </p:spPr>
-        <p:style>
-          <a:lnRef idx="2">
-            <a:schemeClr val="accent1">
-              <a:shade val="50000"/>
-            </a:schemeClr>
-          </a:lnRef>
-          <a:fillRef idx="1">
-            <a:schemeClr val="accent1"/>
-          </a:fillRef>
-          <a:effectRef idx="0">
-            <a:schemeClr val="accent1"/>
-          </a:effectRef>
-          <a:fontRef idx="minor">
-            <a:schemeClr val="lt1"/>
-          </a:fontRef>
-        </p:style>
-        <p:txBody>
-          <a:bodyPr rtlCol="0" anchor="ctr"/>
-          <a:lstStyle/>
-          <a:p>
-            <a:pPr algn="ctr"/>
-            <a:endParaRPr lang="en-US"/>
-          </a:p>
-        </p:txBody>
-      </p:sp>
-      <p:sp>
-        <p:nvSpPr>
-          <p:cNvPr id="2" name="Title 1">
-            <a:extLst>
-              <a:ext uri="{FF2B5EF4-FFF2-40B4-BE49-F238E27FC236}">
-                <a16:creationId xmlns:a16="http://schemas.microsoft.com/office/drawing/2014/main" id="{AE4B15A1-46A3-6168-070B-0C75857630D3}"/>
-              </a:ext>
-            </a:extLst>
-          </p:cNvPr>
-          <p:cNvSpPr>
-            <a:spLocks noGrp="1"/>
-          </p:cNvSpPr>
-          <p:nvPr>
-            <p:ph type="title"/>
-          </p:nvPr>
-        </p:nvSpPr>
-        <p:spPr>
-          <a:xfrm>
-            <a:off x="841248" y="548640"/>
-            <a:ext cx="3600860" cy="5431536"/>
-          </a:xfrm>
-        </p:spPr>
-        <p:txBody>
-          <a:bodyPr>
-            <a:normAutofit/>
-          </a:bodyPr>
-          <a:lstStyle/>
-          <a:p>
-            <a:r>
-              <a:rPr lang="en-US" sz="5000"/>
-              <a:t>Low GloSea6 Code Identification</a:t>
-            </a:r>
-          </a:p>
-        </p:txBody>
-      </p:sp>
-      <p:sp>
-        <p:nvSpPr>
-          <p:cNvPr id="10" name="sketch line">
-            <a:extLst>
-              <a:ext uri="{FF2B5EF4-FFF2-40B4-BE49-F238E27FC236}">
-                <a16:creationId xmlns:a16="http://schemas.microsoft.com/office/drawing/2014/main" id="{5D6C15A0-C087-4593-8414-2B4EC1CDC3DE}"/>
-              </a:ext>
-              <a:ext uri="{C183D7F6-B498-43B3-948B-1728B52AA6E4}">
-                <adec:decorative xmlns:adec="http://schemas.microsoft.com/office/drawing/2017/decorative" val="1"/>
-              </a:ext>
-            </a:extLst>
-          </p:cNvPr>
-          <p:cNvSpPr>
-            <a:spLocks noGrp="1" noRot="1" noChangeAspect="1" noMove="1" noResize="1" noEditPoints="1" noAdjustHandles="1" noChangeArrowheads="1" noChangeShapeType="1" noTextEdit="1"/>
-          </p:cNvSpPr>
-          <p:nvPr>
-            <p:extLst>
-              <p:ext uri="{386F3935-93C4-4BCD-93E2-E3B085C9AB24}">
-                <p16:designElem xmlns:p16="http://schemas.microsoft.com/office/powerpoint/2015/main" val="1"/>
-              </p:ext>
-            </p:extLst>
-          </p:nvPr>
-        </p:nvSpPr>
-        <p:spPr>
-          <a:xfrm rot="5400000">
-            <a:off x="2543983" y="3258715"/>
-            <a:ext cx="4480560" cy="18288"/>
-          </a:xfrm>
-          <a:custGeom>
-            <a:avLst/>
-            <a:gdLst>
-              <a:gd name="connsiteX0" fmla="*/ 0 w 4480560"/>
-              <a:gd name="connsiteY0" fmla="*/ 0 h 18288"/>
-              <a:gd name="connsiteX1" fmla="*/ 595274 w 4480560"/>
-              <a:gd name="connsiteY1" fmla="*/ 0 h 18288"/>
-              <a:gd name="connsiteX2" fmla="*/ 1100938 w 4480560"/>
-              <a:gd name="connsiteY2" fmla="*/ 0 h 18288"/>
-              <a:gd name="connsiteX3" fmla="*/ 1651406 w 4480560"/>
-              <a:gd name="connsiteY3" fmla="*/ 0 h 18288"/>
-              <a:gd name="connsiteX4" fmla="*/ 2336292 w 4480560"/>
-              <a:gd name="connsiteY4" fmla="*/ 0 h 18288"/>
-              <a:gd name="connsiteX5" fmla="*/ 2931566 w 4480560"/>
-              <a:gd name="connsiteY5" fmla="*/ 0 h 18288"/>
-              <a:gd name="connsiteX6" fmla="*/ 3482035 w 4480560"/>
-              <a:gd name="connsiteY6" fmla="*/ 0 h 18288"/>
-              <a:gd name="connsiteX7" fmla="*/ 4480560 w 4480560"/>
-              <a:gd name="connsiteY7" fmla="*/ 0 h 18288"/>
-              <a:gd name="connsiteX8" fmla="*/ 4480560 w 4480560"/>
-              <a:gd name="connsiteY8" fmla="*/ 18288 h 18288"/>
-              <a:gd name="connsiteX9" fmla="*/ 3840480 w 4480560"/>
-              <a:gd name="connsiteY9" fmla="*/ 18288 h 18288"/>
-              <a:gd name="connsiteX10" fmla="*/ 3290011 w 4480560"/>
-              <a:gd name="connsiteY10" fmla="*/ 18288 h 18288"/>
-              <a:gd name="connsiteX11" fmla="*/ 2560320 w 4480560"/>
-              <a:gd name="connsiteY11" fmla="*/ 18288 h 18288"/>
-              <a:gd name="connsiteX12" fmla="*/ 1965046 w 4480560"/>
-              <a:gd name="connsiteY12" fmla="*/ 18288 h 18288"/>
-              <a:gd name="connsiteX13" fmla="*/ 1459382 w 4480560"/>
-              <a:gd name="connsiteY13" fmla="*/ 18288 h 18288"/>
-              <a:gd name="connsiteX14" fmla="*/ 774497 w 4480560"/>
-              <a:gd name="connsiteY14" fmla="*/ 18288 h 18288"/>
-              <a:gd name="connsiteX15" fmla="*/ 0 w 4480560"/>
-              <a:gd name="connsiteY15" fmla="*/ 18288 h 18288"/>
-              <a:gd name="connsiteX16" fmla="*/ 0 w 4480560"/>
-              <a:gd name="connsiteY16" fmla="*/ 0 h 18288"/>
-            </a:gdLst>
-            <a:ahLst/>
-            <a:cxnLst>
-              <a:cxn ang="0">
-                <a:pos x="connsiteX0" y="connsiteY0"/>
-              </a:cxn>
-              <a:cxn ang="0">
-                <a:pos x="connsiteX1" y="connsiteY1"/>
-              </a:cxn>
-              <a:cxn ang="0">
-                <a:pos x="connsiteX2" y="connsiteY2"/>
-              </a:cxn>
-              <a:cxn ang="0">
-                <a:pos x="connsiteX3" y="connsiteY3"/>
-              </a:cxn>
-              <a:cxn ang="0">
-                <a:pos x="connsiteX4" y="connsiteY4"/>
-              </a:cxn>
-              <a:cxn ang="0">
-                <a:pos x="connsiteX5" y="connsiteY5"/>
-              </a:cxn>
-              <a:cxn ang="0">
-                <a:pos x="connsiteX6" y="connsiteY6"/>
-              </a:cxn>
-              <a:cxn ang="0">
-                <a:pos x="connsiteX7" y="connsiteY7"/>
-              </a:cxn>
-              <a:cxn ang="0">
-                <a:pos x="connsiteX8" y="connsiteY8"/>
-              </a:cxn>
-              <a:cxn ang="0">
-                <a:pos x="connsiteX9" y="connsiteY9"/>
-              </a:cxn>
-              <a:cxn ang="0">
-                <a:pos x="connsiteX10" y="connsiteY10"/>
-              </a:cxn>
-              <a:cxn ang="0">
-                <a:pos x="connsiteX11" y="connsiteY11"/>
-              </a:cxn>
-              <a:cxn ang="0">
-                <a:pos x="connsiteX12" y="connsiteY12"/>
-              </a:cxn>
-              <a:cxn ang="0">
-                <a:pos x="connsiteX13" y="connsiteY13"/>
-              </a:cxn>
-              <a:cxn ang="0">
-                <a:pos x="connsiteX14" y="connsiteY14"/>
-              </a:cxn>
-              <a:cxn ang="0">
-                <a:pos x="connsiteX15" y="connsiteY15"/>
-              </a:cxn>
-              <a:cxn ang="0">
-                <a:pos x="connsiteX16" y="connsiteY16"/>
-              </a:cxn>
-            </a:cxnLst>
-            <a:rect l="l" t="t" r="r" b="b"/>
-            <a:pathLst>
-              <a:path w="4480560" h="18288" fill="none" extrusionOk="0">
-                <a:moveTo>
-                  <a:pt x="0" y="0"/>
-                </a:moveTo>
-                <a:cubicBezTo>
-                  <a:pt x="267821" y="8731"/>
-                  <a:pt x="334105" y="2629"/>
-                  <a:pt x="595274" y="0"/>
-                </a:cubicBezTo>
-                <a:cubicBezTo>
-                  <a:pt x="856443" y="-2629"/>
-                  <a:pt x="863808" y="-13353"/>
-                  <a:pt x="1100938" y="0"/>
-                </a:cubicBezTo>
-                <a:cubicBezTo>
-                  <a:pt x="1338068" y="13353"/>
-                  <a:pt x="1431663" y="-25862"/>
-                  <a:pt x="1651406" y="0"/>
-                </a:cubicBezTo>
-                <a:cubicBezTo>
-                  <a:pt x="1871149" y="25862"/>
-                  <a:pt x="2173163" y="23827"/>
-                  <a:pt x="2336292" y="0"/>
-                </a:cubicBezTo>
-                <a:cubicBezTo>
-                  <a:pt x="2499421" y="-23827"/>
-                  <a:pt x="2720589" y="28148"/>
-                  <a:pt x="2931566" y="0"/>
-                </a:cubicBezTo>
-                <a:cubicBezTo>
-                  <a:pt x="3142543" y="-28148"/>
-                  <a:pt x="3323630" y="27022"/>
-                  <a:pt x="3482035" y="0"/>
-                </a:cubicBezTo>
-                <a:cubicBezTo>
-                  <a:pt x="3640440" y="-27022"/>
-                  <a:pt x="4012110" y="-20118"/>
-                  <a:pt x="4480560" y="0"/>
-                </a:cubicBezTo>
-                <a:cubicBezTo>
-                  <a:pt x="4480958" y="7429"/>
-                  <a:pt x="4480540" y="10822"/>
-                  <a:pt x="4480560" y="18288"/>
-                </a:cubicBezTo>
-                <a:cubicBezTo>
-                  <a:pt x="4314132" y="14924"/>
-                  <a:pt x="4028383" y="36632"/>
-                  <a:pt x="3840480" y="18288"/>
-                </a:cubicBezTo>
-                <a:cubicBezTo>
-                  <a:pt x="3652577" y="-56"/>
-                  <a:pt x="3547615" y="2848"/>
-                  <a:pt x="3290011" y="18288"/>
-                </a:cubicBezTo>
-                <a:cubicBezTo>
-                  <a:pt x="3032407" y="33728"/>
-                  <a:pt x="2830268" y="8719"/>
-                  <a:pt x="2560320" y="18288"/>
-                </a:cubicBezTo>
-                <a:cubicBezTo>
-                  <a:pt x="2290372" y="27857"/>
-                  <a:pt x="2147422" y="6728"/>
-                  <a:pt x="1965046" y="18288"/>
-                </a:cubicBezTo>
-                <a:cubicBezTo>
-                  <a:pt x="1782670" y="29848"/>
-                  <a:pt x="1689791" y="40680"/>
-                  <a:pt x="1459382" y="18288"/>
-                </a:cubicBezTo>
-                <a:cubicBezTo>
-                  <a:pt x="1228973" y="-4104"/>
-                  <a:pt x="915486" y="36501"/>
-                  <a:pt x="774497" y="18288"/>
-                </a:cubicBezTo>
-                <a:cubicBezTo>
-                  <a:pt x="633508" y="75"/>
-                  <a:pt x="361442" y="-11107"/>
-                  <a:pt x="0" y="18288"/>
-                </a:cubicBezTo>
-                <a:cubicBezTo>
-                  <a:pt x="-591" y="13205"/>
-                  <a:pt x="-663" y="6329"/>
-                  <a:pt x="0" y="0"/>
-                </a:cubicBezTo>
-                <a:close/>
-              </a:path>
-              <a:path w="4480560" h="18288" stroke="0" extrusionOk="0">
-                <a:moveTo>
-                  <a:pt x="0" y="0"/>
-                </a:moveTo>
-                <a:cubicBezTo>
-                  <a:pt x="285465" y="225"/>
-                  <a:pt x="322691" y="16223"/>
-                  <a:pt x="595274" y="0"/>
-                </a:cubicBezTo>
-                <a:cubicBezTo>
-                  <a:pt x="867857" y="-16223"/>
-                  <a:pt x="989129" y="-11242"/>
-                  <a:pt x="1100938" y="0"/>
-                </a:cubicBezTo>
-                <a:cubicBezTo>
-                  <a:pt x="1212747" y="11242"/>
-                  <a:pt x="1574350" y="-36410"/>
-                  <a:pt x="1830629" y="0"/>
-                </a:cubicBezTo>
-                <a:cubicBezTo>
-                  <a:pt x="2086908" y="36410"/>
-                  <a:pt x="2180922" y="4645"/>
-                  <a:pt x="2425903" y="0"/>
-                </a:cubicBezTo>
-                <a:cubicBezTo>
-                  <a:pt x="2670884" y="-4645"/>
-                  <a:pt x="2782024" y="22929"/>
-                  <a:pt x="3021178" y="0"/>
-                </a:cubicBezTo>
-                <a:cubicBezTo>
-                  <a:pt x="3260332" y="-22929"/>
-                  <a:pt x="3456982" y="-1586"/>
-                  <a:pt x="3750869" y="0"/>
-                </a:cubicBezTo>
-                <a:cubicBezTo>
-                  <a:pt x="4044756" y="1586"/>
-                  <a:pt x="4302726" y="17043"/>
-                  <a:pt x="4480560" y="0"/>
-                </a:cubicBezTo>
-                <a:cubicBezTo>
-                  <a:pt x="4479674" y="5429"/>
-                  <a:pt x="4481381" y="14046"/>
-                  <a:pt x="4480560" y="18288"/>
-                </a:cubicBezTo>
-                <a:cubicBezTo>
-                  <a:pt x="4279652" y="-6850"/>
-                  <a:pt x="4200762" y="41566"/>
-                  <a:pt x="3930091" y="18288"/>
-                </a:cubicBezTo>
-                <a:cubicBezTo>
-                  <a:pt x="3659420" y="-4990"/>
-                  <a:pt x="3456052" y="22294"/>
-                  <a:pt x="3290011" y="18288"/>
-                </a:cubicBezTo>
-                <a:cubicBezTo>
-                  <a:pt x="3123970" y="14282"/>
-                  <a:pt x="2882392" y="32818"/>
-                  <a:pt x="2649931" y="18288"/>
-                </a:cubicBezTo>
-                <a:cubicBezTo>
-                  <a:pt x="2417470" y="3758"/>
-                  <a:pt x="2238426" y="7337"/>
-                  <a:pt x="2054657" y="18288"/>
-                </a:cubicBezTo>
-                <a:cubicBezTo>
-                  <a:pt x="1870888" y="29239"/>
-                  <a:pt x="1566368" y="45040"/>
-                  <a:pt x="1324966" y="18288"/>
-                </a:cubicBezTo>
-                <a:cubicBezTo>
-                  <a:pt x="1083564" y="-8464"/>
-                  <a:pt x="787410" y="10946"/>
-                  <a:pt x="595274" y="18288"/>
-                </a:cubicBezTo>
-                <a:cubicBezTo>
-                  <a:pt x="403138" y="25630"/>
-                  <a:pt x="169622" y="10499"/>
-                  <a:pt x="0" y="18288"/>
-                </a:cubicBezTo>
-                <a:cubicBezTo>
-                  <a:pt x="668" y="13665"/>
-                  <a:pt x="578" y="5675"/>
-                  <a:pt x="0" y="0"/>
-                </a:cubicBezTo>
-                <a:close/>
-              </a:path>
-            </a:pathLst>
-          </a:custGeom>
-          <a:solidFill>
-            <a:schemeClr val="accent2"/>
-          </a:solidFill>
-          <a:ln w="41275" cap="rnd">
-            <a:solidFill>
-              <a:schemeClr val="accent2"/>
-            </a:solidFill>
-            <a:round/>
-            <a:extLst>
-              <a:ext uri="{C807C97D-BFC1-408E-A445-0C87EB9F89A2}">
-                <ask:lineSketchStyleProps xmlns:ask="http://schemas.microsoft.com/office/drawing/2018/sketchyshapes" sd="1219033472">
-                  <a:prstGeom prst="rect">
-                    <a:avLst/>
-                  </a:prstGeom>
-                  <ask:type>
-                    <ask:lineSketchFreehand/>
-                  </ask:type>
-                </ask:lineSketchStyleProps>
-              </a:ext>
-            </a:extLst>
-          </a:ln>
-        </p:spPr>
-        <p:style>
-          <a:lnRef idx="2">
-            <a:schemeClr val="accent1">
-              <a:shade val="50000"/>
-            </a:schemeClr>
-          </a:lnRef>
-          <a:fillRef idx="1">
-            <a:schemeClr val="accent1"/>
-          </a:fillRef>
-          <a:effectRef idx="0">
-            <a:schemeClr val="accent1"/>
-          </a:effectRef>
-          <a:fontRef idx="minor">
-            <a:schemeClr val="lt1"/>
-          </a:fontRef>
-        </p:style>
-        <p:txBody>
-          <a:bodyPr rtlCol="0" anchor="ctr"/>
-          <a:lstStyle/>
-          <a:p>
-            <a:pPr algn="ctr"/>
-            <a:endParaRPr lang="en-US"/>
-          </a:p>
-        </p:txBody>
-      </p:sp>
-      <p:sp>
-        <p:nvSpPr>
-          <p:cNvPr id="3" name="Content Placeholder 2">
-            <a:extLst>
-              <a:ext uri="{FF2B5EF4-FFF2-40B4-BE49-F238E27FC236}">
-                <a16:creationId xmlns:a16="http://schemas.microsoft.com/office/drawing/2014/main" id="{F7F049BC-A86F-D7EB-55E7-8206D9504986}"/>
-              </a:ext>
-            </a:extLst>
-          </p:cNvPr>
-          <p:cNvSpPr>
-            <a:spLocks noGrp="1"/>
-          </p:cNvSpPr>
-          <p:nvPr>
-            <p:ph idx="1"/>
-          </p:nvPr>
-        </p:nvSpPr>
-        <p:spPr>
-          <a:xfrm>
-            <a:off x="5126418" y="552091"/>
-            <a:ext cx="6224335" cy="5431536"/>
-          </a:xfrm>
-        </p:spPr>
-        <p:txBody>
-          <a:bodyPr anchor="ctr">
-            <a:normAutofit/>
-          </a:bodyPr>
-          <a:lstStyle/>
-          <a:p>
-            <a:r>
-              <a:rPr lang="en-US" sz="2200"/>
-              <a:t>Searching related to netCDF and HDF5 as keywords are needed to apply the SZ filter to Low GloSea6 using netCDF API</a:t>
-            </a:r>
-          </a:p>
-          <a:p>
-            <a:r>
-              <a:rPr lang="en-US" sz="2200"/>
-              <a:t>Mostly examples and references using netCDF C API (the difference with netCDF Fortran API is the prefix NF90_ for functions declaration)</a:t>
-            </a:r>
-          </a:p>
-          <a:p>
-            <a:r>
-              <a:rPr lang="en-US" sz="2200"/>
-              <a:t>netCDF filter references</a:t>
-            </a:r>
-          </a:p>
-          <a:p>
-            <a:pPr lvl="1"/>
-            <a:r>
-              <a:rPr lang="en-US" sz="2200">
-                <a:hlinkClick r:id="rId2"/>
-              </a:rPr>
-              <a:t>https://docs.unidata.ucar.edu/netcdf-c/current/filter__example_8c_source.html</a:t>
-            </a:r>
-            <a:endParaRPr lang="en-US" sz="2200"/>
-          </a:p>
-          <a:p>
-            <a:pPr lvl="1"/>
-            <a:r>
-              <a:rPr lang="en-US" sz="2200">
-                <a:hlinkClick r:id="rId3"/>
-              </a:rPr>
-              <a:t>https://www.dossier-andreas.net/software_architecture/pipe_and_filter.html</a:t>
-            </a:r>
-            <a:endParaRPr lang="en-US" sz="2200"/>
-          </a:p>
-          <a:p>
-            <a:pPr lvl="1"/>
-            <a:r>
-              <a:rPr lang="en-US" sz="2200">
-                <a:hlinkClick r:id="rId4"/>
-              </a:rPr>
-              <a:t>https://www.ibm.com/topics/data-pipeline</a:t>
-            </a:r>
-            <a:endParaRPr lang="en-US" sz="2200"/>
-          </a:p>
-        </p:txBody>
-      </p:sp>
-    </p:spTree>
-    <p:extLst>
-      <p:ext uri="{BB962C8B-B14F-4D97-AF65-F5344CB8AC3E}">
-        <p14:creationId xmlns:p14="http://schemas.microsoft.com/office/powerpoint/2010/main" val="41753791"/>
-      </p:ext>
-    </p:extLst>
-  </p:cSld>
-  <p:clrMapOvr>
-    <a:masterClrMapping/>
-  </p:clrMapOvr>
-</p:sld>
-</file>
-
-<file path=ppt/slides/slide4.xml><?xml version="1.0" encoding="utf-8"?>
 <p:sld xmlns:a="http://schemas.openxmlformats.org/drawingml/2006/main" xmlns:r="http://schemas.openxmlformats.org/officeDocument/2006/relationships" xmlns:p="http://schemas.openxmlformats.org/presentationml/2006/main">
   <p:cSld>
     <p:spTree>
@@ -19733,7 +19310,7 @@
 </p:sld>
 </file>
 
-<file path=ppt/slides/slide5.xml><?xml version="1.0" encoding="utf-8"?>
+<file path=ppt/slides/slide4.xml><?xml version="1.0" encoding="utf-8"?>
 <p:sld xmlns:a="http://schemas.openxmlformats.org/drawingml/2006/main" xmlns:r="http://schemas.openxmlformats.org/officeDocument/2006/relationships" xmlns:p="http://schemas.openxmlformats.org/presentationml/2006/main">
   <p:cSld>
     <p:bg>
@@ -20242,7 +19819,7 @@
             <p:ph idx="1"/>
             <p:extLst>
               <p:ext uri="{D42A27DB-BD31-4B8C-83A1-F6EECF244321}">
-                <p14:modId xmlns:p14="http://schemas.microsoft.com/office/powerpoint/2010/main" val="2816906451"/>
+                <p14:modId xmlns:p14="http://schemas.microsoft.com/office/powerpoint/2010/main" val="538077601"/>
               </p:ext>
             </p:extLst>
           </p:nvPr>
@@ -20261,6 +19838,595 @@
     <p:extLst>
       <p:ext uri="{BB962C8B-B14F-4D97-AF65-F5344CB8AC3E}">
         <p14:creationId xmlns:p14="http://schemas.microsoft.com/office/powerpoint/2010/main" val="3386332245"/>
+      </p:ext>
+    </p:extLst>
+  </p:cSld>
+  <p:clrMapOvr>
+    <a:masterClrMapping/>
+  </p:clrMapOvr>
+</p:sld>
+</file>
+
+<file path=ppt/slides/slide5.xml><?xml version="1.0" encoding="utf-8"?>
+<p:sld xmlns:a="http://schemas.openxmlformats.org/drawingml/2006/main" xmlns:r="http://schemas.openxmlformats.org/officeDocument/2006/relationships" xmlns:p="http://schemas.openxmlformats.org/presentationml/2006/main">
+  <p:cSld>
+    <p:bg>
+      <p:bgPr>
+        <a:solidFill>
+          <a:schemeClr val="bg1"/>
+        </a:solidFill>
+        <a:effectLst/>
+      </p:bgPr>
+    </p:bg>
+    <p:spTree>
+      <p:nvGrpSpPr>
+        <p:cNvPr id="1" name=""/>
+        <p:cNvGrpSpPr/>
+        <p:nvPr/>
+      </p:nvGrpSpPr>
+      <p:grpSpPr>
+        <a:xfrm>
+          <a:off x="0" y="0"/>
+          <a:ext cx="0" cy="0"/>
+          <a:chOff x="0" y="0"/>
+          <a:chExt cx="0" cy="0"/>
+        </a:xfrm>
+      </p:grpSpPr>
+      <p:sp useBgFill="1">
+        <p:nvSpPr>
+          <p:cNvPr id="8" name="Rectangle 7">
+            <a:extLst>
+              <a:ext uri="{FF2B5EF4-FFF2-40B4-BE49-F238E27FC236}">
+                <a16:creationId xmlns:a16="http://schemas.microsoft.com/office/drawing/2014/main" id="{777A147A-9ED8-46B4-8660-1B3C2AA880B5}"/>
+              </a:ext>
+              <a:ext uri="{C183D7F6-B498-43B3-948B-1728B52AA6E4}">
+                <adec:decorative xmlns:adec="http://schemas.microsoft.com/office/drawing/2017/decorative" val="1"/>
+              </a:ext>
+            </a:extLst>
+          </p:cNvPr>
+          <p:cNvSpPr>
+            <a:spLocks noGrp="1" noRot="1" noChangeAspect="1" noMove="1" noResize="1" noEditPoints="1" noAdjustHandles="1" noChangeArrowheads="1" noChangeShapeType="1" noTextEdit="1"/>
+          </p:cNvSpPr>
+          <p:nvPr>
+            <p:extLst>
+              <p:ext uri="{386F3935-93C4-4BCD-93E2-E3B085C9AB24}">
+                <p16:designElem xmlns:p16="http://schemas.microsoft.com/office/powerpoint/2015/main" val="1"/>
+              </p:ext>
+            </p:extLst>
+          </p:nvPr>
+        </p:nvSpPr>
+        <p:spPr>
+          <a:xfrm>
+            <a:off x="0" y="0"/>
+            <a:ext cx="12188952" cy="6858000"/>
+          </a:xfrm>
+          <a:prstGeom prst="rect">
+            <a:avLst/>
+          </a:prstGeom>
+          <a:ln>
+            <a:noFill/>
+          </a:ln>
+        </p:spPr>
+        <p:style>
+          <a:lnRef idx="2">
+            <a:schemeClr val="accent1">
+              <a:shade val="50000"/>
+            </a:schemeClr>
+          </a:lnRef>
+          <a:fillRef idx="1">
+            <a:schemeClr val="accent1"/>
+          </a:fillRef>
+          <a:effectRef idx="0">
+            <a:schemeClr val="accent1"/>
+          </a:effectRef>
+          <a:fontRef idx="minor">
+            <a:schemeClr val="lt1"/>
+          </a:fontRef>
+        </p:style>
+        <p:txBody>
+          <a:bodyPr rtlCol="0" anchor="ctr"/>
+          <a:lstStyle/>
+          <a:p>
+            <a:pPr algn="ctr"/>
+            <a:endParaRPr lang="en-US"/>
+          </a:p>
+        </p:txBody>
+      </p:sp>
+      <p:sp>
+        <p:nvSpPr>
+          <p:cNvPr id="2" name="Title 1">
+            <a:extLst>
+              <a:ext uri="{FF2B5EF4-FFF2-40B4-BE49-F238E27FC236}">
+                <a16:creationId xmlns:a16="http://schemas.microsoft.com/office/drawing/2014/main" id="{AE4B15A1-46A3-6168-070B-0C75857630D3}"/>
+              </a:ext>
+            </a:extLst>
+          </p:cNvPr>
+          <p:cNvSpPr>
+            <a:spLocks noGrp="1"/>
+          </p:cNvSpPr>
+          <p:nvPr>
+            <p:ph type="title"/>
+          </p:nvPr>
+        </p:nvSpPr>
+        <p:spPr>
+          <a:xfrm>
+            <a:off x="841248" y="548640"/>
+            <a:ext cx="3600860" cy="5431536"/>
+          </a:xfrm>
+        </p:spPr>
+        <p:txBody>
+          <a:bodyPr>
+            <a:normAutofit/>
+          </a:bodyPr>
+          <a:lstStyle/>
+          <a:p>
+            <a:r>
+              <a:rPr lang="en-US" sz="5000"/>
+              <a:t>Low GloSea6 Code Identification</a:t>
+            </a:r>
+          </a:p>
+        </p:txBody>
+      </p:sp>
+      <p:sp>
+        <p:nvSpPr>
+          <p:cNvPr id="10" name="sketch line">
+            <a:extLst>
+              <a:ext uri="{FF2B5EF4-FFF2-40B4-BE49-F238E27FC236}">
+                <a16:creationId xmlns:a16="http://schemas.microsoft.com/office/drawing/2014/main" id="{5D6C15A0-C087-4593-8414-2B4EC1CDC3DE}"/>
+              </a:ext>
+              <a:ext uri="{C183D7F6-B498-43B3-948B-1728B52AA6E4}">
+                <adec:decorative xmlns:adec="http://schemas.microsoft.com/office/drawing/2017/decorative" val="1"/>
+              </a:ext>
+            </a:extLst>
+          </p:cNvPr>
+          <p:cNvSpPr>
+            <a:spLocks noGrp="1" noRot="1" noChangeAspect="1" noMove="1" noResize="1" noEditPoints="1" noAdjustHandles="1" noChangeArrowheads="1" noChangeShapeType="1" noTextEdit="1"/>
+          </p:cNvSpPr>
+          <p:nvPr>
+            <p:extLst>
+              <p:ext uri="{386F3935-93C4-4BCD-93E2-E3B085C9AB24}">
+                <p16:designElem xmlns:p16="http://schemas.microsoft.com/office/powerpoint/2015/main" val="1"/>
+              </p:ext>
+            </p:extLst>
+          </p:nvPr>
+        </p:nvSpPr>
+        <p:spPr>
+          <a:xfrm rot="5400000">
+            <a:off x="2543983" y="3258715"/>
+            <a:ext cx="4480560" cy="18288"/>
+          </a:xfrm>
+          <a:custGeom>
+            <a:avLst/>
+            <a:gdLst>
+              <a:gd name="connsiteX0" fmla="*/ 0 w 4480560"/>
+              <a:gd name="connsiteY0" fmla="*/ 0 h 18288"/>
+              <a:gd name="connsiteX1" fmla="*/ 595274 w 4480560"/>
+              <a:gd name="connsiteY1" fmla="*/ 0 h 18288"/>
+              <a:gd name="connsiteX2" fmla="*/ 1100938 w 4480560"/>
+              <a:gd name="connsiteY2" fmla="*/ 0 h 18288"/>
+              <a:gd name="connsiteX3" fmla="*/ 1651406 w 4480560"/>
+              <a:gd name="connsiteY3" fmla="*/ 0 h 18288"/>
+              <a:gd name="connsiteX4" fmla="*/ 2336292 w 4480560"/>
+              <a:gd name="connsiteY4" fmla="*/ 0 h 18288"/>
+              <a:gd name="connsiteX5" fmla="*/ 2931566 w 4480560"/>
+              <a:gd name="connsiteY5" fmla="*/ 0 h 18288"/>
+              <a:gd name="connsiteX6" fmla="*/ 3482035 w 4480560"/>
+              <a:gd name="connsiteY6" fmla="*/ 0 h 18288"/>
+              <a:gd name="connsiteX7" fmla="*/ 4480560 w 4480560"/>
+              <a:gd name="connsiteY7" fmla="*/ 0 h 18288"/>
+              <a:gd name="connsiteX8" fmla="*/ 4480560 w 4480560"/>
+              <a:gd name="connsiteY8" fmla="*/ 18288 h 18288"/>
+              <a:gd name="connsiteX9" fmla="*/ 3840480 w 4480560"/>
+              <a:gd name="connsiteY9" fmla="*/ 18288 h 18288"/>
+              <a:gd name="connsiteX10" fmla="*/ 3290011 w 4480560"/>
+              <a:gd name="connsiteY10" fmla="*/ 18288 h 18288"/>
+              <a:gd name="connsiteX11" fmla="*/ 2560320 w 4480560"/>
+              <a:gd name="connsiteY11" fmla="*/ 18288 h 18288"/>
+              <a:gd name="connsiteX12" fmla="*/ 1965046 w 4480560"/>
+              <a:gd name="connsiteY12" fmla="*/ 18288 h 18288"/>
+              <a:gd name="connsiteX13" fmla="*/ 1459382 w 4480560"/>
+              <a:gd name="connsiteY13" fmla="*/ 18288 h 18288"/>
+              <a:gd name="connsiteX14" fmla="*/ 774497 w 4480560"/>
+              <a:gd name="connsiteY14" fmla="*/ 18288 h 18288"/>
+              <a:gd name="connsiteX15" fmla="*/ 0 w 4480560"/>
+              <a:gd name="connsiteY15" fmla="*/ 18288 h 18288"/>
+              <a:gd name="connsiteX16" fmla="*/ 0 w 4480560"/>
+              <a:gd name="connsiteY16" fmla="*/ 0 h 18288"/>
+            </a:gdLst>
+            <a:ahLst/>
+            <a:cxnLst>
+              <a:cxn ang="0">
+                <a:pos x="connsiteX0" y="connsiteY0"/>
+              </a:cxn>
+              <a:cxn ang="0">
+                <a:pos x="connsiteX1" y="connsiteY1"/>
+              </a:cxn>
+              <a:cxn ang="0">
+                <a:pos x="connsiteX2" y="connsiteY2"/>
+              </a:cxn>
+              <a:cxn ang="0">
+                <a:pos x="connsiteX3" y="connsiteY3"/>
+              </a:cxn>
+              <a:cxn ang="0">
+                <a:pos x="connsiteX4" y="connsiteY4"/>
+              </a:cxn>
+              <a:cxn ang="0">
+                <a:pos x="connsiteX5" y="connsiteY5"/>
+              </a:cxn>
+              <a:cxn ang="0">
+                <a:pos x="connsiteX6" y="connsiteY6"/>
+              </a:cxn>
+              <a:cxn ang="0">
+                <a:pos x="connsiteX7" y="connsiteY7"/>
+              </a:cxn>
+              <a:cxn ang="0">
+                <a:pos x="connsiteX8" y="connsiteY8"/>
+              </a:cxn>
+              <a:cxn ang="0">
+                <a:pos x="connsiteX9" y="connsiteY9"/>
+              </a:cxn>
+              <a:cxn ang="0">
+                <a:pos x="connsiteX10" y="connsiteY10"/>
+              </a:cxn>
+              <a:cxn ang="0">
+                <a:pos x="connsiteX11" y="connsiteY11"/>
+              </a:cxn>
+              <a:cxn ang="0">
+                <a:pos x="connsiteX12" y="connsiteY12"/>
+              </a:cxn>
+              <a:cxn ang="0">
+                <a:pos x="connsiteX13" y="connsiteY13"/>
+              </a:cxn>
+              <a:cxn ang="0">
+                <a:pos x="connsiteX14" y="connsiteY14"/>
+              </a:cxn>
+              <a:cxn ang="0">
+                <a:pos x="connsiteX15" y="connsiteY15"/>
+              </a:cxn>
+              <a:cxn ang="0">
+                <a:pos x="connsiteX16" y="connsiteY16"/>
+              </a:cxn>
+            </a:cxnLst>
+            <a:rect l="l" t="t" r="r" b="b"/>
+            <a:pathLst>
+              <a:path w="4480560" h="18288" fill="none" extrusionOk="0">
+                <a:moveTo>
+                  <a:pt x="0" y="0"/>
+                </a:moveTo>
+                <a:cubicBezTo>
+                  <a:pt x="267821" y="8731"/>
+                  <a:pt x="334105" y="2629"/>
+                  <a:pt x="595274" y="0"/>
+                </a:cubicBezTo>
+                <a:cubicBezTo>
+                  <a:pt x="856443" y="-2629"/>
+                  <a:pt x="863808" y="-13353"/>
+                  <a:pt x="1100938" y="0"/>
+                </a:cubicBezTo>
+                <a:cubicBezTo>
+                  <a:pt x="1338068" y="13353"/>
+                  <a:pt x="1431663" y="-25862"/>
+                  <a:pt x="1651406" y="0"/>
+                </a:cubicBezTo>
+                <a:cubicBezTo>
+                  <a:pt x="1871149" y="25862"/>
+                  <a:pt x="2173163" y="23827"/>
+                  <a:pt x="2336292" y="0"/>
+                </a:cubicBezTo>
+                <a:cubicBezTo>
+                  <a:pt x="2499421" y="-23827"/>
+                  <a:pt x="2720589" y="28148"/>
+                  <a:pt x="2931566" y="0"/>
+                </a:cubicBezTo>
+                <a:cubicBezTo>
+                  <a:pt x="3142543" y="-28148"/>
+                  <a:pt x="3323630" y="27022"/>
+                  <a:pt x="3482035" y="0"/>
+                </a:cubicBezTo>
+                <a:cubicBezTo>
+                  <a:pt x="3640440" y="-27022"/>
+                  <a:pt x="4012110" y="-20118"/>
+                  <a:pt x="4480560" y="0"/>
+                </a:cubicBezTo>
+                <a:cubicBezTo>
+                  <a:pt x="4480958" y="7429"/>
+                  <a:pt x="4480540" y="10822"/>
+                  <a:pt x="4480560" y="18288"/>
+                </a:cubicBezTo>
+                <a:cubicBezTo>
+                  <a:pt x="4314132" y="14924"/>
+                  <a:pt x="4028383" y="36632"/>
+                  <a:pt x="3840480" y="18288"/>
+                </a:cubicBezTo>
+                <a:cubicBezTo>
+                  <a:pt x="3652577" y="-56"/>
+                  <a:pt x="3547615" y="2848"/>
+                  <a:pt x="3290011" y="18288"/>
+                </a:cubicBezTo>
+                <a:cubicBezTo>
+                  <a:pt x="3032407" y="33728"/>
+                  <a:pt x="2830268" y="8719"/>
+                  <a:pt x="2560320" y="18288"/>
+                </a:cubicBezTo>
+                <a:cubicBezTo>
+                  <a:pt x="2290372" y="27857"/>
+                  <a:pt x="2147422" y="6728"/>
+                  <a:pt x="1965046" y="18288"/>
+                </a:cubicBezTo>
+                <a:cubicBezTo>
+                  <a:pt x="1782670" y="29848"/>
+                  <a:pt x="1689791" y="40680"/>
+                  <a:pt x="1459382" y="18288"/>
+                </a:cubicBezTo>
+                <a:cubicBezTo>
+                  <a:pt x="1228973" y="-4104"/>
+                  <a:pt x="915486" y="36501"/>
+                  <a:pt x="774497" y="18288"/>
+                </a:cubicBezTo>
+                <a:cubicBezTo>
+                  <a:pt x="633508" y="75"/>
+                  <a:pt x="361442" y="-11107"/>
+                  <a:pt x="0" y="18288"/>
+                </a:cubicBezTo>
+                <a:cubicBezTo>
+                  <a:pt x="-591" y="13205"/>
+                  <a:pt x="-663" y="6329"/>
+                  <a:pt x="0" y="0"/>
+                </a:cubicBezTo>
+                <a:close/>
+              </a:path>
+              <a:path w="4480560" h="18288" stroke="0" extrusionOk="0">
+                <a:moveTo>
+                  <a:pt x="0" y="0"/>
+                </a:moveTo>
+                <a:cubicBezTo>
+                  <a:pt x="285465" y="225"/>
+                  <a:pt x="322691" y="16223"/>
+                  <a:pt x="595274" y="0"/>
+                </a:cubicBezTo>
+                <a:cubicBezTo>
+                  <a:pt x="867857" y="-16223"/>
+                  <a:pt x="989129" y="-11242"/>
+                  <a:pt x="1100938" y="0"/>
+                </a:cubicBezTo>
+                <a:cubicBezTo>
+                  <a:pt x="1212747" y="11242"/>
+                  <a:pt x="1574350" y="-36410"/>
+                  <a:pt x="1830629" y="0"/>
+                </a:cubicBezTo>
+                <a:cubicBezTo>
+                  <a:pt x="2086908" y="36410"/>
+                  <a:pt x="2180922" y="4645"/>
+                  <a:pt x="2425903" y="0"/>
+                </a:cubicBezTo>
+                <a:cubicBezTo>
+                  <a:pt x="2670884" y="-4645"/>
+                  <a:pt x="2782024" y="22929"/>
+                  <a:pt x="3021178" y="0"/>
+                </a:cubicBezTo>
+                <a:cubicBezTo>
+                  <a:pt x="3260332" y="-22929"/>
+                  <a:pt x="3456982" y="-1586"/>
+                  <a:pt x="3750869" y="0"/>
+                </a:cubicBezTo>
+                <a:cubicBezTo>
+                  <a:pt x="4044756" y="1586"/>
+                  <a:pt x="4302726" y="17043"/>
+                  <a:pt x="4480560" y="0"/>
+                </a:cubicBezTo>
+                <a:cubicBezTo>
+                  <a:pt x="4479674" y="5429"/>
+                  <a:pt x="4481381" y="14046"/>
+                  <a:pt x="4480560" y="18288"/>
+                </a:cubicBezTo>
+                <a:cubicBezTo>
+                  <a:pt x="4279652" y="-6850"/>
+                  <a:pt x="4200762" y="41566"/>
+                  <a:pt x="3930091" y="18288"/>
+                </a:cubicBezTo>
+                <a:cubicBezTo>
+                  <a:pt x="3659420" y="-4990"/>
+                  <a:pt x="3456052" y="22294"/>
+                  <a:pt x="3290011" y="18288"/>
+                </a:cubicBezTo>
+                <a:cubicBezTo>
+                  <a:pt x="3123970" y="14282"/>
+                  <a:pt x="2882392" y="32818"/>
+                  <a:pt x="2649931" y="18288"/>
+                </a:cubicBezTo>
+                <a:cubicBezTo>
+                  <a:pt x="2417470" y="3758"/>
+                  <a:pt x="2238426" y="7337"/>
+                  <a:pt x="2054657" y="18288"/>
+                </a:cubicBezTo>
+                <a:cubicBezTo>
+                  <a:pt x="1870888" y="29239"/>
+                  <a:pt x="1566368" y="45040"/>
+                  <a:pt x="1324966" y="18288"/>
+                </a:cubicBezTo>
+                <a:cubicBezTo>
+                  <a:pt x="1083564" y="-8464"/>
+                  <a:pt x="787410" y="10946"/>
+                  <a:pt x="595274" y="18288"/>
+                </a:cubicBezTo>
+                <a:cubicBezTo>
+                  <a:pt x="403138" y="25630"/>
+                  <a:pt x="169622" y="10499"/>
+                  <a:pt x="0" y="18288"/>
+                </a:cubicBezTo>
+                <a:cubicBezTo>
+                  <a:pt x="668" y="13665"/>
+                  <a:pt x="578" y="5675"/>
+                  <a:pt x="0" y="0"/>
+                </a:cubicBezTo>
+                <a:close/>
+              </a:path>
+            </a:pathLst>
+          </a:custGeom>
+          <a:solidFill>
+            <a:schemeClr val="accent2"/>
+          </a:solidFill>
+          <a:ln w="41275" cap="rnd">
+            <a:solidFill>
+              <a:schemeClr val="accent2"/>
+            </a:solidFill>
+            <a:round/>
+            <a:extLst>
+              <a:ext uri="{C807C97D-BFC1-408E-A445-0C87EB9F89A2}">
+                <ask:lineSketchStyleProps xmlns:ask="http://schemas.microsoft.com/office/drawing/2018/sketchyshapes" sd="1219033472">
+                  <a:prstGeom prst="rect">
+                    <a:avLst/>
+                  </a:prstGeom>
+                  <ask:type>
+                    <ask:lineSketchFreehand/>
+                  </ask:type>
+                </ask:lineSketchStyleProps>
+              </a:ext>
+            </a:extLst>
+          </a:ln>
+        </p:spPr>
+        <p:style>
+          <a:lnRef idx="2">
+            <a:schemeClr val="accent1">
+              <a:shade val="50000"/>
+            </a:schemeClr>
+          </a:lnRef>
+          <a:fillRef idx="1">
+            <a:schemeClr val="accent1"/>
+          </a:fillRef>
+          <a:effectRef idx="0">
+            <a:schemeClr val="accent1"/>
+          </a:effectRef>
+          <a:fontRef idx="minor">
+            <a:schemeClr val="lt1"/>
+          </a:fontRef>
+        </p:style>
+        <p:txBody>
+          <a:bodyPr rtlCol="0" anchor="ctr"/>
+          <a:lstStyle/>
+          <a:p>
+            <a:pPr algn="ctr"/>
+            <a:endParaRPr lang="en-US"/>
+          </a:p>
+        </p:txBody>
+      </p:sp>
+      <p:sp>
+        <p:nvSpPr>
+          <p:cNvPr id="3" name="Content Placeholder 2">
+            <a:extLst>
+              <a:ext uri="{FF2B5EF4-FFF2-40B4-BE49-F238E27FC236}">
+                <a16:creationId xmlns:a16="http://schemas.microsoft.com/office/drawing/2014/main" id="{F7F049BC-A86F-D7EB-55E7-8206D9504986}"/>
+              </a:ext>
+            </a:extLst>
+          </p:cNvPr>
+          <p:cNvSpPr>
+            <a:spLocks noGrp="1"/>
+          </p:cNvSpPr>
+          <p:nvPr>
+            <p:ph idx="1"/>
+          </p:nvPr>
+        </p:nvSpPr>
+        <p:spPr>
+          <a:xfrm>
+            <a:off x="5126418" y="552091"/>
+            <a:ext cx="6224335" cy="5431536"/>
+          </a:xfrm>
+        </p:spPr>
+        <p:txBody>
+          <a:bodyPr anchor="ctr">
+            <a:normAutofit/>
+          </a:bodyPr>
+          <a:lstStyle/>
+          <a:p>
+            <a:r>
+              <a:rPr lang="en-US" sz="2200" dirty="0"/>
+              <a:t>Searching related to </a:t>
+            </a:r>
+            <a:r>
+              <a:rPr lang="en-US" sz="2200" dirty="0" err="1"/>
+              <a:t>netCDF</a:t>
+            </a:r>
+            <a:r>
+              <a:rPr lang="en-US" sz="2200" dirty="0"/>
+              <a:t> and HDF5 as keywords are needed to apply the SZ filter to Low GloSea6 using </a:t>
+            </a:r>
+            <a:r>
+              <a:rPr lang="en-US" sz="2200" dirty="0" err="1"/>
+              <a:t>netCDF</a:t>
+            </a:r>
+            <a:r>
+              <a:rPr lang="en-US" sz="2200" dirty="0"/>
+              <a:t> API</a:t>
+            </a:r>
+          </a:p>
+          <a:p>
+            <a:r>
+              <a:rPr lang="en-US" sz="2200" dirty="0"/>
+              <a:t>Mostly examples and references using </a:t>
+            </a:r>
+            <a:r>
+              <a:rPr lang="en-US" sz="2200" dirty="0" err="1"/>
+              <a:t>netCDF</a:t>
+            </a:r>
+            <a:r>
+              <a:rPr lang="en-US" sz="2200" dirty="0"/>
+              <a:t> C API (the difference with </a:t>
+            </a:r>
+            <a:r>
+              <a:rPr lang="en-US" sz="2200" dirty="0" err="1"/>
+              <a:t>netCDF</a:t>
+            </a:r>
+            <a:r>
+              <a:rPr lang="en-US" sz="2200" dirty="0"/>
+              <a:t> Fortran API is the prefix NF90_ for functions declaration)</a:t>
+            </a:r>
+          </a:p>
+          <a:p>
+            <a:r>
+              <a:rPr lang="en-US" sz="2200" dirty="0" err="1"/>
+              <a:t>netCDF</a:t>
+            </a:r>
+            <a:r>
+              <a:rPr lang="en-US" sz="2200" dirty="0"/>
+              <a:t> filter references</a:t>
+            </a:r>
+          </a:p>
+          <a:p>
+            <a:pPr lvl="1"/>
+            <a:r>
+              <a:rPr lang="en-US" sz="2200" dirty="0">
+                <a:hlinkClick r:id="rId2"/>
+              </a:rPr>
+              <a:t>https://docs.unidata.ucar.edu/netcdf-c/current/filter__example_8c_source.html</a:t>
+            </a:r>
+            <a:endParaRPr lang="en-US" sz="2200" dirty="0"/>
+          </a:p>
+          <a:p>
+            <a:pPr lvl="1"/>
+            <a:r>
+              <a:rPr lang="en-US" sz="2200" dirty="0">
+                <a:hlinkClick r:id="rId3"/>
+              </a:rPr>
+              <a:t>https://www.dossier-andreas.net/software_architecture/pipe_and_filter.html</a:t>
+            </a:r>
+            <a:endParaRPr lang="en-US" sz="2200" dirty="0"/>
+          </a:p>
+          <a:p>
+            <a:pPr lvl="1"/>
+            <a:r>
+              <a:rPr lang="en-US" sz="2200" dirty="0">
+                <a:hlinkClick r:id="rId4"/>
+              </a:rPr>
+              <a:t>https://www.ibm.com/topics/data-pipeline</a:t>
+            </a:r>
+            <a:endParaRPr lang="en-US" sz="2200" dirty="0"/>
+          </a:p>
+        </p:txBody>
+      </p:sp>
+    </p:spTree>
+    <p:extLst>
+      <p:ext uri="{BB962C8B-B14F-4D97-AF65-F5344CB8AC3E}">
+        <p14:creationId xmlns:p14="http://schemas.microsoft.com/office/powerpoint/2010/main" val="41753791"/>
       </p:ext>
     </p:extLst>
   </p:cSld>
@@ -21965,8 +22131,8 @@
         </p:blipFill>
         <p:spPr>
           <a:xfrm>
-            <a:off x="973796" y="4100537"/>
-            <a:ext cx="4232375" cy="1088325"/>
+            <a:off x="973796" y="3758185"/>
+            <a:ext cx="5563748" cy="1430678"/>
           </a:xfrm>
           <a:prstGeom prst="rect">
             <a:avLst/>
@@ -22000,7 +22166,7 @@
         </p:blipFill>
         <p:spPr bwMode="auto">
           <a:xfrm>
-            <a:off x="5303518" y="4017249"/>
+            <a:off x="5344814" y="5010517"/>
             <a:ext cx="6002890" cy="691691"/>
           </a:xfrm>
           <a:prstGeom prst="rect">
